--- a/s2_organisation_and_version_control/lecture/MLOps.pptx
+++ b/s2_organisation_and_version_control/lecture/MLOps.pptx
@@ -228,7 +228,7 @@
           <a:p>
             <a:fld id="{D75CAE95-D2DD-4998-876A-092BFD628C65}" type="datetimeFigureOut">
               <a:rPr lang="da-DK" smtClean="0"/>
-              <a:t>03-06-2021</a:t>
+              <a:t>03-01-2022</a:t>
             </a:fld>
             <a:endParaRPr lang="da-DK"/>
           </a:p>
@@ -406,7 +406,7 @@
           <a:p>
             <a:fld id="{1DA8E099-58AA-4136-B409-1CAD1943D842}" type="datetimeFigureOut">
               <a:rPr lang="da-DK" smtClean="0"/>
-              <a:t>03-06-2021</a:t>
+              <a:t>03-01-2022</a:t>
             </a:fld>
             <a:endParaRPr lang="da-DK"/>
           </a:p>
@@ -824,7 +824,7 @@
           <a:p>
             <a:fld id="{C85334AD-9960-4065-BF34-86ED0345A76D}" type="datetime1">
               <a:rPr lang="en-US" smtClean="0"/>
-              <a:t>6/3/2021</a:t>
+              <a:t>1/3/2022</a:t>
             </a:fld>
             <a:endParaRPr lang="da-DK"/>
           </a:p>
@@ -1063,7 +1063,7 @@
           <a:p>
             <a:fld id="{C5669758-3775-48D7-A841-693E908C3BF4}" type="datetime1">
               <a:rPr lang="en-US" smtClean="0"/>
-              <a:t>6/3/2021</a:t>
+              <a:t>1/3/2022</a:t>
             </a:fld>
             <a:endParaRPr lang="da-DK"/>
           </a:p>
@@ -1276,7 +1276,7 @@
           <a:p>
             <a:fld id="{1E0C3FF1-EDBD-4F2A-8366-34A4E3728310}" type="datetime1">
               <a:rPr lang="en-US" smtClean="0"/>
-              <a:t>6/3/2021</a:t>
+              <a:t>1/3/2022</a:t>
             </a:fld>
             <a:endParaRPr lang="da-DK"/>
           </a:p>
@@ -1497,7 +1497,7 @@
           <a:p>
             <a:fld id="{019E29B9-5584-4737-9C98-1B926378C778}" type="datetime1">
               <a:rPr lang="en-US" smtClean="0"/>
-              <a:t>6/3/2021</a:t>
+              <a:t>1/3/2022</a:t>
             </a:fld>
             <a:endParaRPr lang="da-DK"/>
           </a:p>
@@ -1812,7 +1812,7 @@
           <a:p>
             <a:fld id="{FCE38F03-F67D-4508-A858-99FCD085087C}" type="datetime1">
               <a:rPr lang="en-US" smtClean="0"/>
-              <a:t>6/3/2021</a:t>
+              <a:t>1/3/2022</a:t>
             </a:fld>
             <a:endParaRPr lang="da-DK"/>
           </a:p>
@@ -2083,7 +2083,7 @@
           <a:p>
             <a:fld id="{B43F2930-3FFD-4F93-A4BD-4F0D1A0B4514}" type="datetime1">
               <a:rPr lang="en-US" smtClean="0"/>
-              <a:t>6/3/2021</a:t>
+              <a:t>1/3/2022</a:t>
             </a:fld>
             <a:endParaRPr lang="da-DK"/>
           </a:p>
@@ -2501,7 +2501,7 @@
           <a:p>
             <a:fld id="{8E0F9B9B-30CC-4693-8E0F-1A94A979E2C5}" type="datetime1">
               <a:rPr lang="en-US" smtClean="0"/>
-              <a:t>6/3/2021</a:t>
+              <a:t>1/3/2022</a:t>
             </a:fld>
             <a:endParaRPr lang="da-DK"/>
           </a:p>
@@ -2646,7 +2646,7 @@
           <a:p>
             <a:fld id="{6FE1433B-E6A7-44FF-8B55-539471B4D7C5}" type="datetime1">
               <a:rPr lang="en-US" smtClean="0"/>
-              <a:t>6/3/2021</a:t>
+              <a:t>1/3/2022</a:t>
             </a:fld>
             <a:endParaRPr lang="da-DK"/>
           </a:p>
@@ -2762,7 +2762,7 @@
           <a:p>
             <a:fld id="{624F4001-6A8C-42DA-824F-B5CC1375B861}" type="datetime1">
               <a:rPr lang="en-US" smtClean="0"/>
-              <a:t>6/3/2021</a:t>
+              <a:t>1/3/2022</a:t>
             </a:fld>
             <a:endParaRPr lang="da-DK"/>
           </a:p>
@@ -3078,7 +3078,7 @@
           <a:p>
             <a:fld id="{2D3BE137-2C5E-4078-8BA2-7D42D7E67218}" type="datetime1">
               <a:rPr lang="en-US" smtClean="0"/>
-              <a:t>6/3/2021</a:t>
+              <a:t>1/3/2022</a:t>
             </a:fld>
             <a:endParaRPr lang="da-DK"/>
           </a:p>
@@ -3370,7 +3370,7 @@
           <a:p>
             <a:fld id="{0D1436FF-56D3-4E93-92E8-71121EAB120E}" type="datetime1">
               <a:rPr lang="en-US" smtClean="0"/>
-              <a:t>6/3/2021</a:t>
+              <a:t>1/3/2022</a:t>
             </a:fld>
             <a:endParaRPr lang="da-DK"/>
           </a:p>
@@ -3616,7 +3616,7 @@
           <a:p>
             <a:fld id="{16601EF2-4BCA-4009-ACCF-B97F259DEF6F}" type="datetime1">
               <a:rPr lang="en-US" smtClean="0"/>
-              <a:t>6/3/2021</a:t>
+              <a:t>1/3/2022</a:t>
             </a:fld>
             <a:endParaRPr lang="da-DK"/>
           </a:p>
@@ -4107,7 +4107,7 @@
           <a:p>
             <a:r>
               <a:rPr lang="da-DK" dirty="0"/>
-              <a:t>Machine Learning Operations</a:t>
+              <a:t>02476 Machine Learning Operations</a:t>
             </a:r>
           </a:p>
           <a:p>
@@ -4252,7 +4252,7 @@
           <a:p>
             <a:fld id="{019E29B9-5584-4737-9C98-1B926378C778}" type="datetime1">
               <a:rPr lang="en-US" smtClean="0"/>
-              <a:t>6/3/2021</a:t>
+              <a:t>1/3/2022</a:t>
             </a:fld>
             <a:endParaRPr lang="da-DK"/>
           </a:p>
@@ -4516,7 +4516,7 @@
           <a:p>
             <a:fld id="{019E29B9-5584-4737-9C98-1B926378C778}" type="datetime1">
               <a:rPr lang="en-US" smtClean="0"/>
-              <a:t>6/3/2021</a:t>
+              <a:t>1/3/2022</a:t>
             </a:fld>
             <a:endParaRPr lang="da-DK"/>
           </a:p>
@@ -4916,7 +4916,7 @@
           <a:p>
             <a:fld id="{019E29B9-5584-4737-9C98-1B926378C778}" type="datetime1">
               <a:rPr lang="en-US" smtClean="0"/>
-              <a:t>6/3/2021</a:t>
+              <a:t>1/3/2022</a:t>
             </a:fld>
             <a:endParaRPr lang="da-DK"/>
           </a:p>
@@ -5133,7 +5133,7 @@
           <a:p>
             <a:fld id="{019E29B9-5584-4737-9C98-1B926378C778}" type="datetime1">
               <a:rPr lang="en-US" smtClean="0"/>
-              <a:t>6/3/2021</a:t>
+              <a:t>1/3/2022</a:t>
             </a:fld>
             <a:endParaRPr lang="da-DK"/>
           </a:p>
@@ -5312,7 +5312,7 @@
           <a:p>
             <a:fld id="{019E29B9-5584-4737-9C98-1B926378C778}" type="datetime1">
               <a:rPr lang="en-US" smtClean="0"/>
-              <a:t>6/3/2021</a:t>
+              <a:t>1/3/2022</a:t>
             </a:fld>
             <a:endParaRPr lang="da-DK"/>
           </a:p>
@@ -5372,6 +5372,47 @@
               <a:t>14</a:t>
             </a:fld>
             <a:endParaRPr lang="da-DK"/>
+          </a:p>
+        </p:txBody>
+      </p:sp>
+      <p:sp>
+        <p:nvSpPr>
+          <p:cNvPr id="9" name="TextBox 8">
+            <a:extLst>
+              <a:ext uri="{FF2B5EF4-FFF2-40B4-BE49-F238E27FC236}">
+                <a16:creationId xmlns:a16="http://schemas.microsoft.com/office/drawing/2014/main" id="{78112777-D02F-48B7-9A2C-7BCAE7D3EF5C}"/>
+              </a:ext>
+            </a:extLst>
+          </p:cNvPr>
+          <p:cNvSpPr txBox="1"/>
+          <p:nvPr/>
+        </p:nvSpPr>
+        <p:spPr>
+          <a:xfrm>
+            <a:off x="2029097" y="5990276"/>
+            <a:ext cx="9022080" cy="369332"/>
+          </a:xfrm>
+          <a:prstGeom prst="rect">
+            <a:avLst/>
+          </a:prstGeom>
+          <a:noFill/>
+        </p:spPr>
+        <p:txBody>
+          <a:bodyPr wrap="square">
+            <a:spAutoFit/>
+          </a:bodyPr>
+          <a:lstStyle/>
+          <a:p>
+            <a:r>
+              <a:rPr lang="en-US" dirty="0">
+                <a:hlinkClick r:id="rId3"/>
+              </a:rPr>
+              <a:t>https://skaftenicki.github.io/dtu_mlops/s2_organisation_and_version_control/S2.html</a:t>
+            </a:r>
+            <a:r>
+              <a:rPr lang="en-US" dirty="0"/>
+              <a:t> </a:t>
+            </a:r>
           </a:p>
         </p:txBody>
       </p:sp>
@@ -5559,7 +5600,7 @@
           <a:p>
             <a:fld id="{019E29B9-5584-4737-9C98-1B926378C778}" type="datetime1">
               <a:rPr lang="en-US" smtClean="0"/>
-              <a:t>6/3/2021</a:t>
+              <a:t>1/3/2022</a:t>
             </a:fld>
             <a:endParaRPr lang="da-DK"/>
           </a:p>
@@ -5770,7 +5811,7 @@
           <a:p>
             <a:fld id="{019E29B9-5584-4737-9C98-1B926378C778}" type="datetime1">
               <a:rPr lang="en-US" smtClean="0"/>
-              <a:t>6/3/2021</a:t>
+              <a:t>1/3/2022</a:t>
             </a:fld>
             <a:endParaRPr lang="da-DK"/>
           </a:p>
@@ -6203,7 +6244,7 @@
           <a:p>
             <a:fld id="{019E29B9-5584-4737-9C98-1B926378C778}" type="datetime1">
               <a:rPr lang="en-US" smtClean="0"/>
-              <a:t>6/3/2021</a:t>
+              <a:t>1/3/2022</a:t>
             </a:fld>
             <a:endParaRPr lang="da-DK"/>
           </a:p>
@@ -6428,7 +6469,7 @@
           <a:p>
             <a:fld id="{019E29B9-5584-4737-9C98-1B926378C778}" type="datetime1">
               <a:rPr lang="en-US" smtClean="0"/>
-              <a:t>6/3/2021</a:t>
+              <a:t>1/3/2022</a:t>
             </a:fld>
             <a:endParaRPr lang="da-DK"/>
           </a:p>
@@ -6635,7 +6676,7 @@
           <a:p>
             <a:fld id="{019E29B9-5584-4737-9C98-1B926378C778}" type="datetime1">
               <a:rPr lang="en-US" smtClean="0"/>
-              <a:t>6/3/2021</a:t>
+              <a:t>1/3/2022</a:t>
             </a:fld>
             <a:endParaRPr lang="da-DK"/>
           </a:p>
@@ -6865,7 +6906,7 @@
           <a:p>
             <a:fld id="{019E29B9-5584-4737-9C98-1B926378C778}" type="datetime1">
               <a:rPr lang="en-US" smtClean="0"/>
-              <a:t>6/3/2021</a:t>
+              <a:t>1/3/2022</a:t>
             </a:fld>
             <a:endParaRPr lang="da-DK"/>
           </a:p>
@@ -7118,7 +7159,7 @@
           <a:p>
             <a:fld id="{019E29B9-5584-4737-9C98-1B926378C778}" type="datetime1">
               <a:rPr lang="en-US" smtClean="0"/>
-              <a:t>6/3/2021</a:t>
+              <a:t>1/3/2022</a:t>
             </a:fld>
             <a:endParaRPr lang="da-DK"/>
           </a:p>
@@ -7348,7 +7389,7 @@
           <a:p>
             <a:fld id="{019E29B9-5584-4737-9C98-1B926378C778}" type="datetime1">
               <a:rPr lang="en-US" smtClean="0"/>
-              <a:t>6/3/2021</a:t>
+              <a:t>1/3/2022</a:t>
             </a:fld>
             <a:endParaRPr lang="da-DK"/>
           </a:p>

--- a/s2_organisation_and_version_control/lecture/MLOps.pptx
+++ b/s2_organisation_and_version_control/lecture/MLOps.pptx
@@ -5,10 +5,10 @@
     <p:sldMasterId id="2147483648" r:id="rId1"/>
   </p:sldMasterIdLst>
   <p:notesMasterIdLst>
-    <p:notesMasterId r:id="rId16"/>
+    <p:notesMasterId r:id="rId18"/>
   </p:notesMasterIdLst>
   <p:handoutMasterIdLst>
-    <p:handoutMasterId r:id="rId17"/>
+    <p:handoutMasterId r:id="rId19"/>
   </p:handoutMasterIdLst>
   <p:sldIdLst>
     <p:sldId id="256" r:id="rId2"/>
@@ -24,7 +24,9 @@
     <p:sldId id="268" r:id="rId12"/>
     <p:sldId id="261" r:id="rId13"/>
     <p:sldId id="262" r:id="rId14"/>
-    <p:sldId id="269" r:id="rId15"/>
+    <p:sldId id="270" r:id="rId15"/>
+    <p:sldId id="271" r:id="rId16"/>
+    <p:sldId id="269" r:id="rId17"/>
   </p:sldIdLst>
   <p:sldSz cx="12192000" cy="6858000"/>
   <p:notesSz cx="6858000" cy="9144000"/>
@@ -228,7 +230,7 @@
           <a:p>
             <a:fld id="{D75CAE95-D2DD-4998-876A-092BFD628C65}" type="datetimeFigureOut">
               <a:rPr lang="da-DK" smtClean="0"/>
-              <a:t>03-01-2022</a:t>
+              <a:t>04-01-2022</a:t>
             </a:fld>
             <a:endParaRPr lang="da-DK"/>
           </a:p>
@@ -406,7 +408,7 @@
           <a:p>
             <a:fld id="{1DA8E099-58AA-4136-B409-1CAD1943D842}" type="datetimeFigureOut">
               <a:rPr lang="da-DK" smtClean="0"/>
-              <a:t>03-01-2022</a:t>
+              <a:t>04-01-2022</a:t>
             </a:fld>
             <a:endParaRPr lang="da-DK"/>
           </a:p>
@@ -824,7 +826,7 @@
           <a:p>
             <a:fld id="{C85334AD-9960-4065-BF34-86ED0345A76D}" type="datetime1">
               <a:rPr lang="en-US" smtClean="0"/>
-              <a:t>1/3/2022</a:t>
+              <a:t>1/4/2022</a:t>
             </a:fld>
             <a:endParaRPr lang="da-DK"/>
           </a:p>
@@ -1063,7 +1065,7 @@
           <a:p>
             <a:fld id="{C5669758-3775-48D7-A841-693E908C3BF4}" type="datetime1">
               <a:rPr lang="en-US" smtClean="0"/>
-              <a:t>1/3/2022</a:t>
+              <a:t>1/4/2022</a:t>
             </a:fld>
             <a:endParaRPr lang="da-DK"/>
           </a:p>
@@ -1276,7 +1278,7 @@
           <a:p>
             <a:fld id="{1E0C3FF1-EDBD-4F2A-8366-34A4E3728310}" type="datetime1">
               <a:rPr lang="en-US" smtClean="0"/>
-              <a:t>1/3/2022</a:t>
+              <a:t>1/4/2022</a:t>
             </a:fld>
             <a:endParaRPr lang="da-DK"/>
           </a:p>
@@ -1497,7 +1499,7 @@
           <a:p>
             <a:fld id="{019E29B9-5584-4737-9C98-1B926378C778}" type="datetime1">
               <a:rPr lang="en-US" smtClean="0"/>
-              <a:t>1/3/2022</a:t>
+              <a:t>1/4/2022</a:t>
             </a:fld>
             <a:endParaRPr lang="da-DK"/>
           </a:p>
@@ -1812,7 +1814,7 @@
           <a:p>
             <a:fld id="{FCE38F03-F67D-4508-A858-99FCD085087C}" type="datetime1">
               <a:rPr lang="en-US" smtClean="0"/>
-              <a:t>1/3/2022</a:t>
+              <a:t>1/4/2022</a:t>
             </a:fld>
             <a:endParaRPr lang="da-DK"/>
           </a:p>
@@ -2083,7 +2085,7 @@
           <a:p>
             <a:fld id="{B43F2930-3FFD-4F93-A4BD-4F0D1A0B4514}" type="datetime1">
               <a:rPr lang="en-US" smtClean="0"/>
-              <a:t>1/3/2022</a:t>
+              <a:t>1/4/2022</a:t>
             </a:fld>
             <a:endParaRPr lang="da-DK"/>
           </a:p>
@@ -2501,7 +2503,7 @@
           <a:p>
             <a:fld id="{8E0F9B9B-30CC-4693-8E0F-1A94A979E2C5}" type="datetime1">
               <a:rPr lang="en-US" smtClean="0"/>
-              <a:t>1/3/2022</a:t>
+              <a:t>1/4/2022</a:t>
             </a:fld>
             <a:endParaRPr lang="da-DK"/>
           </a:p>
@@ -2646,7 +2648,7 @@
           <a:p>
             <a:fld id="{6FE1433B-E6A7-44FF-8B55-539471B4D7C5}" type="datetime1">
               <a:rPr lang="en-US" smtClean="0"/>
-              <a:t>1/3/2022</a:t>
+              <a:t>1/4/2022</a:t>
             </a:fld>
             <a:endParaRPr lang="da-DK"/>
           </a:p>
@@ -2762,7 +2764,7 @@
           <a:p>
             <a:fld id="{624F4001-6A8C-42DA-824F-B5CC1375B861}" type="datetime1">
               <a:rPr lang="en-US" smtClean="0"/>
-              <a:t>1/3/2022</a:t>
+              <a:t>1/4/2022</a:t>
             </a:fld>
             <a:endParaRPr lang="da-DK"/>
           </a:p>
@@ -3078,7 +3080,7 @@
           <a:p>
             <a:fld id="{2D3BE137-2C5E-4078-8BA2-7D42D7E67218}" type="datetime1">
               <a:rPr lang="en-US" smtClean="0"/>
-              <a:t>1/3/2022</a:t>
+              <a:t>1/4/2022</a:t>
             </a:fld>
             <a:endParaRPr lang="da-DK"/>
           </a:p>
@@ -3370,7 +3372,7 @@
           <a:p>
             <a:fld id="{0D1436FF-56D3-4E93-92E8-71121EAB120E}" type="datetime1">
               <a:rPr lang="en-US" smtClean="0"/>
-              <a:t>1/3/2022</a:t>
+              <a:t>1/4/2022</a:t>
             </a:fld>
             <a:endParaRPr lang="da-DK"/>
           </a:p>
@@ -3616,7 +3618,7 @@
           <a:p>
             <a:fld id="{16601EF2-4BCA-4009-ACCF-B97F259DEF6F}" type="datetime1">
               <a:rPr lang="en-US" smtClean="0"/>
-              <a:t>1/3/2022</a:t>
+              <a:t>1/4/2022</a:t>
             </a:fld>
             <a:endParaRPr lang="da-DK"/>
           </a:p>
@@ -4252,7 +4254,7 @@
           <a:p>
             <a:fld id="{019E29B9-5584-4737-9C98-1B926378C778}" type="datetime1">
               <a:rPr lang="en-US" smtClean="0"/>
-              <a:t>1/3/2022</a:t>
+              <a:t>1/4/2022</a:t>
             </a:fld>
             <a:endParaRPr lang="da-DK"/>
           </a:p>
@@ -4516,7 +4518,7 @@
           <a:p>
             <a:fld id="{019E29B9-5584-4737-9C98-1B926378C778}" type="datetime1">
               <a:rPr lang="en-US" smtClean="0"/>
-              <a:t>1/3/2022</a:t>
+              <a:t>1/4/2022</a:t>
             </a:fld>
             <a:endParaRPr lang="da-DK"/>
           </a:p>
@@ -4916,7 +4918,7 @@
           <a:p>
             <a:fld id="{019E29B9-5584-4737-9C98-1B926378C778}" type="datetime1">
               <a:rPr lang="en-US" smtClean="0"/>
-              <a:t>1/3/2022</a:t>
+              <a:t>1/4/2022</a:t>
             </a:fld>
             <a:endParaRPr lang="da-DK"/>
           </a:p>
@@ -5025,14 +5027,34 @@
             <p:ph type="title"/>
           </p:nvPr>
         </p:nvSpPr>
-        <p:spPr/>
+        <p:spPr>
+          <a:xfrm>
+            <a:off x="838200" y="18255"/>
+            <a:ext cx="10515600" cy="1325563"/>
+          </a:xfrm>
+        </p:spPr>
         <p:txBody>
           <a:bodyPr/>
           <a:lstStyle/>
           <a:p>
             <a:r>
               <a:rPr lang="da-DK" dirty="0"/>
-              <a:t>The first step of MLOps: Getting organised</a:t>
+              <a:t>The first step of MLOps: </a:t>
+            </a:r>
+            <a:br>
+              <a:rPr lang="da-DK" dirty="0"/>
+            </a:br>
+            <a:r>
+              <a:rPr lang="da-DK" dirty="0"/>
+              <a:t>Organization</a:t>
+            </a:r>
+            <a:r>
+              <a:rPr lang="en-US" dirty="0"/>
+              <a:t>, code style a</a:t>
+            </a:r>
+            <a:r>
+              <a:rPr lang="da-DK" dirty="0"/>
+              <a:t>nd version control</a:t>
             </a:r>
           </a:p>
         </p:txBody>
@@ -5053,17 +5075,30 @@
             <p:ph idx="1"/>
           </p:nvPr>
         </p:nvSpPr>
-        <p:spPr/>
-        <p:txBody>
-          <a:bodyPr/>
-          <a:lstStyle/>
-          <a:p>
-            <a:pPr marL="0" indent="0">
-              <a:buNone/>
-            </a:pPr>
+        <p:spPr>
+          <a:xfrm>
+            <a:off x="838200" y="1343608"/>
+            <a:ext cx="6288464" cy="4833355"/>
+          </a:xfrm>
+        </p:spPr>
+        <p:txBody>
+          <a:bodyPr/>
+          <a:lstStyle/>
+          <a:p>
+            <a:endParaRPr lang="da-DK" dirty="0"/>
+          </a:p>
+          <a:p>
             <a:r>
               <a:rPr lang="da-DK" dirty="0"/>
-              <a:t>Todays exercises is all about organising your workflow.</a:t>
+              <a:t>Today exercises is all about </a:t>
+            </a:r>
+            <a:r>
+              <a:rPr lang="en-US" dirty="0"/>
+              <a:t>organizing</a:t>
+            </a:r>
+            <a:r>
+              <a:rPr lang="da-DK" dirty="0"/>
+              <a:t> your workflow.</a:t>
             </a:r>
           </a:p>
           <a:p>
@@ -5073,19 +5108,16 @@
             <a:endParaRPr lang="da-DK" dirty="0"/>
           </a:p>
           <a:p>
-            <a:pPr marL="0" indent="0">
-              <a:buNone/>
-            </a:pPr>
             <a:r>
               <a:rPr lang="da-DK" dirty="0"/>
-              <a:t>Note that</a:t>
-            </a:r>
-          </a:p>
-          <a:p>
-            <a:r>
-              <a:rPr lang="da-DK" dirty="0"/>
-              <a:t>While organization is maybe not that big of a deal on personal projects, it is a essential factor when working on large scale projects</a:t>
-            </a:r>
+              <a:t>While organization is maybe not that big of a deal on personal projects, it is an essential factor when working on large scale projects</a:t>
+            </a:r>
+          </a:p>
+          <a:p>
+            <a:endParaRPr lang="da-DK" dirty="0"/>
+          </a:p>
+          <a:p>
+            <a:endParaRPr lang="da-DK" dirty="0"/>
           </a:p>
           <a:p>
             <a:endParaRPr lang="da-DK" dirty="0"/>
@@ -5133,7 +5165,7 @@
           <a:p>
             <a:fld id="{019E29B9-5584-4737-9C98-1B926378C778}" type="datetime1">
               <a:rPr lang="en-US" smtClean="0"/>
-              <a:t>1/3/2022</a:t>
+              <a:t>1/4/2022</a:t>
             </a:fld>
             <a:endParaRPr lang="da-DK"/>
           </a:p>
@@ -5196,6 +5228,36 @@
           </a:p>
         </p:txBody>
       </p:sp>
+      <p:pic>
+        <p:nvPicPr>
+          <p:cNvPr id="8" name="Picture 7">
+            <a:extLst>
+              <a:ext uri="{FF2B5EF4-FFF2-40B4-BE49-F238E27FC236}">
+                <a16:creationId xmlns:a16="http://schemas.microsoft.com/office/drawing/2014/main" id="{B5BB8EBD-0A49-47CE-8A29-A7D1E4E32411}"/>
+              </a:ext>
+            </a:extLst>
+          </p:cNvPr>
+          <p:cNvPicPr>
+            <a:picLocks noChangeAspect="1"/>
+          </p:cNvPicPr>
+          <p:nvPr/>
+        </p:nvPicPr>
+        <p:blipFill>
+          <a:blip r:embed="rId2"/>
+          <a:stretch>
+            <a:fillRect/>
+          </a:stretch>
+        </p:blipFill>
+        <p:spPr>
+          <a:xfrm>
+            <a:off x="7126664" y="1269739"/>
+            <a:ext cx="4667490" cy="5086611"/>
+          </a:xfrm>
+          <a:prstGeom prst="rect">
+            <a:avLst/>
+          </a:prstGeom>
+        </p:spPr>
+      </p:pic>
     </p:spTree>
     <p:extLst>
       <p:ext uri="{BB962C8B-B14F-4D97-AF65-F5344CB8AC3E}">
@@ -5231,6 +5293,570 @@
           <p:cNvPr id="2" name="Title 1">
             <a:extLst>
               <a:ext uri="{FF2B5EF4-FFF2-40B4-BE49-F238E27FC236}">
+                <a16:creationId xmlns:a16="http://schemas.microsoft.com/office/drawing/2014/main" id="{45466297-3669-4AA3-A83D-C881E94B32A2}"/>
+              </a:ext>
+            </a:extLst>
+          </p:cNvPr>
+          <p:cNvSpPr>
+            <a:spLocks noGrp="1"/>
+          </p:cNvSpPr>
+          <p:nvPr>
+            <p:ph type="title"/>
+          </p:nvPr>
+        </p:nvSpPr>
+        <p:spPr>
+          <a:xfrm>
+            <a:off x="838200" y="37069"/>
+            <a:ext cx="10515600" cy="1325563"/>
+          </a:xfrm>
+        </p:spPr>
+        <p:txBody>
+          <a:bodyPr/>
+          <a:lstStyle/>
+          <a:p>
+            <a:r>
+              <a:rPr lang="da-DK" dirty="0"/>
+              <a:t>The first step of MLOps: </a:t>
+            </a:r>
+            <a:br>
+              <a:rPr lang="da-DK" dirty="0"/>
+            </a:br>
+            <a:r>
+              <a:rPr lang="da-DK" dirty="0"/>
+              <a:t>Organization</a:t>
+            </a:r>
+            <a:r>
+              <a:rPr lang="en-US" dirty="0"/>
+              <a:t>, code style a</a:t>
+            </a:r>
+            <a:r>
+              <a:rPr lang="da-DK" dirty="0"/>
+              <a:t>nd version control</a:t>
+            </a:r>
+            <a:endParaRPr lang="en-US" dirty="0"/>
+          </a:p>
+        </p:txBody>
+      </p:sp>
+      <p:sp>
+        <p:nvSpPr>
+          <p:cNvPr id="3" name="Content Placeholder 2">
+            <a:extLst>
+              <a:ext uri="{FF2B5EF4-FFF2-40B4-BE49-F238E27FC236}">
+                <a16:creationId xmlns:a16="http://schemas.microsoft.com/office/drawing/2014/main" id="{FA20FBD2-E6DF-4CC8-A850-4E3E71880A18}"/>
+              </a:ext>
+            </a:extLst>
+          </p:cNvPr>
+          <p:cNvSpPr>
+            <a:spLocks noGrp="1"/>
+          </p:cNvSpPr>
+          <p:nvPr>
+            <p:ph idx="1"/>
+          </p:nvPr>
+        </p:nvSpPr>
+        <p:spPr/>
+        <p:txBody>
+          <a:bodyPr/>
+          <a:lstStyle/>
+          <a:p>
+            <a:r>
+              <a:rPr lang="da-DK" dirty="0"/>
+              <a:t>There is no right and wrong way</a:t>
+            </a:r>
+          </a:p>
+          <a:p>
+            <a:endParaRPr lang="da-DK" dirty="0"/>
+          </a:p>
+          <a:p>
+            <a:r>
+              <a:rPr lang="da-DK" dirty="0"/>
+              <a:t>It comes down to being consistent</a:t>
+            </a:r>
+          </a:p>
+          <a:p>
+            <a:endParaRPr lang="da-DK" dirty="0"/>
+          </a:p>
+          <a:p>
+            <a:r>
+              <a:rPr lang="da-DK" dirty="0"/>
+              <a:t>However, complying to standard </a:t>
+            </a:r>
+            <a:endParaRPr lang="en-US" dirty="0"/>
+          </a:p>
+        </p:txBody>
+      </p:sp>
+      <p:sp>
+        <p:nvSpPr>
+          <p:cNvPr id="4" name="Date Placeholder 3">
+            <a:extLst>
+              <a:ext uri="{FF2B5EF4-FFF2-40B4-BE49-F238E27FC236}">
+                <a16:creationId xmlns:a16="http://schemas.microsoft.com/office/drawing/2014/main" id="{DC1EB87B-2935-4293-84C8-C2DC0A93031D}"/>
+              </a:ext>
+            </a:extLst>
+          </p:cNvPr>
+          <p:cNvSpPr>
+            <a:spLocks noGrp="1"/>
+          </p:cNvSpPr>
+          <p:nvPr>
+            <p:ph type="dt" sz="half" idx="10"/>
+          </p:nvPr>
+        </p:nvSpPr>
+        <p:spPr/>
+        <p:txBody>
+          <a:bodyPr/>
+          <a:lstStyle/>
+          <a:p>
+            <a:fld id="{019E29B9-5584-4737-9C98-1B926378C778}" type="datetime1">
+              <a:rPr lang="en-US" smtClean="0"/>
+              <a:t>1/4/2022</a:t>
+            </a:fld>
+            <a:endParaRPr lang="da-DK"/>
+          </a:p>
+        </p:txBody>
+      </p:sp>
+      <p:sp>
+        <p:nvSpPr>
+          <p:cNvPr id="5" name="Footer Placeholder 4">
+            <a:extLst>
+              <a:ext uri="{FF2B5EF4-FFF2-40B4-BE49-F238E27FC236}">
+                <a16:creationId xmlns:a16="http://schemas.microsoft.com/office/drawing/2014/main" id="{D2A24640-6766-4BEB-8978-552096CE6814}"/>
+              </a:ext>
+            </a:extLst>
+          </p:cNvPr>
+          <p:cNvSpPr>
+            <a:spLocks noGrp="1"/>
+          </p:cNvSpPr>
+          <p:nvPr>
+            <p:ph type="ftr" sz="quarter" idx="11"/>
+          </p:nvPr>
+        </p:nvSpPr>
+        <p:spPr/>
+        <p:txBody>
+          <a:bodyPr/>
+          <a:lstStyle/>
+          <a:p>
+            <a:r>
+              <a:rPr lang="da-DK"/>
+              <a:t>Nicki Skafte Detlefsen</a:t>
+            </a:r>
+          </a:p>
+        </p:txBody>
+      </p:sp>
+      <p:sp>
+        <p:nvSpPr>
+          <p:cNvPr id="6" name="Slide Number Placeholder 5">
+            <a:extLst>
+              <a:ext uri="{FF2B5EF4-FFF2-40B4-BE49-F238E27FC236}">
+                <a16:creationId xmlns:a16="http://schemas.microsoft.com/office/drawing/2014/main" id="{7547F633-5282-4D08-8140-7B2F9232DEE4}"/>
+              </a:ext>
+            </a:extLst>
+          </p:cNvPr>
+          <p:cNvSpPr>
+            <a:spLocks noGrp="1"/>
+          </p:cNvSpPr>
+          <p:nvPr>
+            <p:ph type="sldNum" sz="quarter" idx="12"/>
+          </p:nvPr>
+        </p:nvSpPr>
+        <p:spPr/>
+        <p:txBody>
+          <a:bodyPr/>
+          <a:lstStyle/>
+          <a:p>
+            <a:fld id="{F6FEDE24-D50C-481B-A7B4-8AF13899101A}" type="slidenum">
+              <a:rPr lang="da-DK" smtClean="0"/>
+              <a:t>14</a:t>
+            </a:fld>
+            <a:endParaRPr lang="da-DK"/>
+          </a:p>
+        </p:txBody>
+      </p:sp>
+      <p:pic>
+        <p:nvPicPr>
+          <p:cNvPr id="14" name="Picture 13" descr="Graphical user interface, text, application&#10;&#10;Description automatically generated">
+            <a:extLst>
+              <a:ext uri="{FF2B5EF4-FFF2-40B4-BE49-F238E27FC236}">
+                <a16:creationId xmlns:a16="http://schemas.microsoft.com/office/drawing/2014/main" id="{44DB1878-1CB0-462C-918E-E2AF6CA71D1F}"/>
+              </a:ext>
+            </a:extLst>
+          </p:cNvPr>
+          <p:cNvPicPr>
+            <a:picLocks noChangeAspect="1"/>
+          </p:cNvPicPr>
+          <p:nvPr/>
+        </p:nvPicPr>
+        <p:blipFill>
+          <a:blip r:embed="rId2">
+            <a:extLst>
+              <a:ext uri="{28A0092B-C50C-407E-A947-70E740481C1C}">
+                <a14:useLocalDpi xmlns:a14="http://schemas.microsoft.com/office/drawing/2010/main" val="0"/>
+              </a:ext>
+            </a:extLst>
+          </a:blip>
+          <a:stretch>
+            <a:fillRect/>
+          </a:stretch>
+        </p:blipFill>
+        <p:spPr>
+          <a:xfrm>
+            <a:off x="259075" y="3909559"/>
+            <a:ext cx="5629014" cy="2357098"/>
+          </a:xfrm>
+          <a:prstGeom prst="rect">
+            <a:avLst/>
+          </a:prstGeom>
+        </p:spPr>
+      </p:pic>
+      <p:pic>
+        <p:nvPicPr>
+          <p:cNvPr id="16" name="Picture 15" descr="Text&#10;&#10;Description automatically generated">
+            <a:extLst>
+              <a:ext uri="{FF2B5EF4-FFF2-40B4-BE49-F238E27FC236}">
+                <a16:creationId xmlns:a16="http://schemas.microsoft.com/office/drawing/2014/main" id="{4DF0F5BA-66A7-47E2-8FB8-69B07D527F35}"/>
+              </a:ext>
+            </a:extLst>
+          </p:cNvPr>
+          <p:cNvPicPr>
+            <a:picLocks noChangeAspect="1"/>
+          </p:cNvPicPr>
+          <p:nvPr/>
+        </p:nvPicPr>
+        <p:blipFill>
+          <a:blip r:embed="rId3">
+            <a:extLst>
+              <a:ext uri="{28A0092B-C50C-407E-A947-70E740481C1C}">
+                <a14:useLocalDpi xmlns:a14="http://schemas.microsoft.com/office/drawing/2010/main" val="0"/>
+              </a:ext>
+            </a:extLst>
+          </a:blip>
+          <a:stretch>
+            <a:fillRect/>
+          </a:stretch>
+        </p:blipFill>
+        <p:spPr>
+          <a:xfrm>
+            <a:off x="6604527" y="3909558"/>
+            <a:ext cx="4749273" cy="2357098"/>
+          </a:xfrm>
+          <a:prstGeom prst="rect">
+            <a:avLst/>
+          </a:prstGeom>
+        </p:spPr>
+      </p:pic>
+    </p:spTree>
+    <p:extLst>
+      <p:ext uri="{BB962C8B-B14F-4D97-AF65-F5344CB8AC3E}">
+        <p14:creationId xmlns:p14="http://schemas.microsoft.com/office/powerpoint/2010/main" val="1587936059"/>
+      </p:ext>
+    </p:extLst>
+  </p:cSld>
+  <p:clrMapOvr>
+    <a:masterClrMapping/>
+  </p:clrMapOvr>
+</p:sld>
+</file>
+
+<file path=ppt/slides/slide15.xml><?xml version="1.0" encoding="utf-8"?>
+<p:sld xmlns:a="http://schemas.openxmlformats.org/drawingml/2006/main" xmlns:r="http://schemas.openxmlformats.org/officeDocument/2006/relationships" xmlns:p="http://schemas.openxmlformats.org/presentationml/2006/main">
+  <p:cSld>
+    <p:spTree>
+      <p:nvGrpSpPr>
+        <p:cNvPr id="1" name=""/>
+        <p:cNvGrpSpPr/>
+        <p:nvPr/>
+      </p:nvGrpSpPr>
+      <p:grpSpPr>
+        <a:xfrm>
+          <a:off x="0" y="0"/>
+          <a:ext cx="0" cy="0"/>
+          <a:chOff x="0" y="0"/>
+          <a:chExt cx="0" cy="0"/>
+        </a:xfrm>
+      </p:grpSpPr>
+      <p:sp>
+        <p:nvSpPr>
+          <p:cNvPr id="2" name="Title 1">
+            <a:extLst>
+              <a:ext uri="{FF2B5EF4-FFF2-40B4-BE49-F238E27FC236}">
+                <a16:creationId xmlns:a16="http://schemas.microsoft.com/office/drawing/2014/main" id="{F7A397D5-DD27-4975-BCAB-45D14A02C9A8}"/>
+              </a:ext>
+            </a:extLst>
+          </p:cNvPr>
+          <p:cNvSpPr>
+            <a:spLocks noGrp="1"/>
+          </p:cNvSpPr>
+          <p:nvPr>
+            <p:ph type="title"/>
+          </p:nvPr>
+        </p:nvSpPr>
+        <p:spPr>
+          <a:xfrm>
+            <a:off x="838200" y="18255"/>
+            <a:ext cx="10515600" cy="1325563"/>
+          </a:xfrm>
+        </p:spPr>
+        <p:txBody>
+          <a:bodyPr/>
+          <a:lstStyle/>
+          <a:p>
+            <a:r>
+              <a:rPr lang="da-DK" dirty="0"/>
+              <a:t>The first step of MLOps: </a:t>
+            </a:r>
+            <a:br>
+              <a:rPr lang="da-DK" dirty="0"/>
+            </a:br>
+            <a:r>
+              <a:rPr lang="da-DK" dirty="0"/>
+              <a:t>Organization</a:t>
+            </a:r>
+            <a:r>
+              <a:rPr lang="en-US" dirty="0"/>
+              <a:t>, code style a</a:t>
+            </a:r>
+            <a:r>
+              <a:rPr lang="da-DK" dirty="0"/>
+              <a:t>nd version control</a:t>
+            </a:r>
+            <a:endParaRPr lang="en-US" dirty="0"/>
+          </a:p>
+        </p:txBody>
+      </p:sp>
+      <p:sp>
+        <p:nvSpPr>
+          <p:cNvPr id="3" name="Content Placeholder 2">
+            <a:extLst>
+              <a:ext uri="{FF2B5EF4-FFF2-40B4-BE49-F238E27FC236}">
+                <a16:creationId xmlns:a16="http://schemas.microsoft.com/office/drawing/2014/main" id="{D6680001-197D-46E5-B168-06E35F85681F}"/>
+              </a:ext>
+            </a:extLst>
+          </p:cNvPr>
+          <p:cNvSpPr>
+            <a:spLocks noGrp="1"/>
+          </p:cNvSpPr>
+          <p:nvPr>
+            <p:ph idx="1"/>
+          </p:nvPr>
+        </p:nvSpPr>
+        <p:spPr>
+          <a:xfrm>
+            <a:off x="838200" y="1343608"/>
+            <a:ext cx="5257800" cy="4833355"/>
+          </a:xfrm>
+        </p:spPr>
+        <p:txBody>
+          <a:bodyPr/>
+          <a:lstStyle/>
+          <a:p>
+            <a:r>
+              <a:rPr lang="da-DK" dirty="0"/>
+              <a:t>Version control helps keep track of code changes, enabling to always roll back if something goes wrong</a:t>
+            </a:r>
+          </a:p>
+          <a:p>
+            <a:endParaRPr lang="da-DK" dirty="0"/>
+          </a:p>
+          <a:p>
+            <a:r>
+              <a:rPr lang="da-DK" dirty="0"/>
+              <a:t>I able to scale to 1000+ developers working on the same codebase </a:t>
+            </a:r>
+            <a:endParaRPr lang="en-US" dirty="0"/>
+          </a:p>
+        </p:txBody>
+      </p:sp>
+      <p:sp>
+        <p:nvSpPr>
+          <p:cNvPr id="4" name="Date Placeholder 3">
+            <a:extLst>
+              <a:ext uri="{FF2B5EF4-FFF2-40B4-BE49-F238E27FC236}">
+                <a16:creationId xmlns:a16="http://schemas.microsoft.com/office/drawing/2014/main" id="{EBA02CF7-7608-4EBF-A936-905E059247B1}"/>
+              </a:ext>
+            </a:extLst>
+          </p:cNvPr>
+          <p:cNvSpPr>
+            <a:spLocks noGrp="1"/>
+          </p:cNvSpPr>
+          <p:nvPr>
+            <p:ph type="dt" sz="half" idx="10"/>
+          </p:nvPr>
+        </p:nvSpPr>
+        <p:spPr/>
+        <p:txBody>
+          <a:bodyPr/>
+          <a:lstStyle/>
+          <a:p>
+            <a:fld id="{019E29B9-5584-4737-9C98-1B926378C778}" type="datetime1">
+              <a:rPr lang="en-US" smtClean="0"/>
+              <a:t>1/4/2022</a:t>
+            </a:fld>
+            <a:endParaRPr lang="da-DK"/>
+          </a:p>
+        </p:txBody>
+      </p:sp>
+      <p:sp>
+        <p:nvSpPr>
+          <p:cNvPr id="5" name="Footer Placeholder 4">
+            <a:extLst>
+              <a:ext uri="{FF2B5EF4-FFF2-40B4-BE49-F238E27FC236}">
+                <a16:creationId xmlns:a16="http://schemas.microsoft.com/office/drawing/2014/main" id="{1627708F-49EF-4C67-923A-472D1466B542}"/>
+              </a:ext>
+            </a:extLst>
+          </p:cNvPr>
+          <p:cNvSpPr>
+            <a:spLocks noGrp="1"/>
+          </p:cNvSpPr>
+          <p:nvPr>
+            <p:ph type="ftr" sz="quarter" idx="11"/>
+          </p:nvPr>
+        </p:nvSpPr>
+        <p:spPr/>
+        <p:txBody>
+          <a:bodyPr/>
+          <a:lstStyle/>
+          <a:p>
+            <a:r>
+              <a:rPr lang="da-DK"/>
+              <a:t>Nicki Skafte Detlefsen</a:t>
+            </a:r>
+          </a:p>
+        </p:txBody>
+      </p:sp>
+      <p:sp>
+        <p:nvSpPr>
+          <p:cNvPr id="6" name="Slide Number Placeholder 5">
+            <a:extLst>
+              <a:ext uri="{FF2B5EF4-FFF2-40B4-BE49-F238E27FC236}">
+                <a16:creationId xmlns:a16="http://schemas.microsoft.com/office/drawing/2014/main" id="{2BB37741-9FEA-47E8-B7CD-041A9628ECC5}"/>
+              </a:ext>
+            </a:extLst>
+          </p:cNvPr>
+          <p:cNvSpPr>
+            <a:spLocks noGrp="1"/>
+          </p:cNvSpPr>
+          <p:nvPr>
+            <p:ph type="sldNum" sz="quarter" idx="12"/>
+          </p:nvPr>
+        </p:nvSpPr>
+        <p:spPr/>
+        <p:txBody>
+          <a:bodyPr/>
+          <a:lstStyle/>
+          <a:p>
+            <a:fld id="{F6FEDE24-D50C-481B-A7B4-8AF13899101A}" type="slidenum">
+              <a:rPr lang="da-DK" smtClean="0"/>
+              <a:t>15</a:t>
+            </a:fld>
+            <a:endParaRPr lang="da-DK"/>
+          </a:p>
+        </p:txBody>
+      </p:sp>
+      <p:pic>
+        <p:nvPicPr>
+          <p:cNvPr id="14" name="Picture 13" descr="A picture containing icon&#10;&#10;Description automatically generated">
+            <a:extLst>
+              <a:ext uri="{FF2B5EF4-FFF2-40B4-BE49-F238E27FC236}">
+                <a16:creationId xmlns:a16="http://schemas.microsoft.com/office/drawing/2014/main" id="{527C08EF-BF96-4860-93EE-2C44F12396B7}"/>
+              </a:ext>
+            </a:extLst>
+          </p:cNvPr>
+          <p:cNvPicPr>
+            <a:picLocks noChangeAspect="1"/>
+          </p:cNvPicPr>
+          <p:nvPr/>
+        </p:nvPicPr>
+        <p:blipFill>
+          <a:blip r:embed="rId2">
+            <a:extLst>
+              <a:ext uri="{28A0092B-C50C-407E-A947-70E740481C1C}">
+                <a14:useLocalDpi xmlns:a14="http://schemas.microsoft.com/office/drawing/2010/main" val="0"/>
+              </a:ext>
+            </a:extLst>
+          </a:blip>
+          <a:stretch>
+            <a:fillRect/>
+          </a:stretch>
+        </p:blipFill>
+        <p:spPr>
+          <a:xfrm>
+            <a:off x="5616197" y="4722830"/>
+            <a:ext cx="6490961" cy="1176182"/>
+          </a:xfrm>
+          <a:prstGeom prst="rect">
+            <a:avLst/>
+          </a:prstGeom>
+        </p:spPr>
+      </p:pic>
+      <p:pic>
+        <p:nvPicPr>
+          <p:cNvPr id="16" name="Picture 15" descr="A picture containing chart&#10;&#10;Description automatically generated">
+            <a:extLst>
+              <a:ext uri="{FF2B5EF4-FFF2-40B4-BE49-F238E27FC236}">
+                <a16:creationId xmlns:a16="http://schemas.microsoft.com/office/drawing/2014/main" id="{D825F32F-99C1-4496-BD1E-8C7C06450B97}"/>
+              </a:ext>
+            </a:extLst>
+          </p:cNvPr>
+          <p:cNvPicPr>
+            <a:picLocks noChangeAspect="1"/>
+          </p:cNvPicPr>
+          <p:nvPr/>
+        </p:nvPicPr>
+        <p:blipFill>
+          <a:blip r:embed="rId3">
+            <a:extLst>
+              <a:ext uri="{28A0092B-C50C-407E-A947-70E740481C1C}">
+                <a14:useLocalDpi xmlns:a14="http://schemas.microsoft.com/office/drawing/2010/main" val="0"/>
+              </a:ext>
+            </a:extLst>
+          </a:blip>
+          <a:stretch>
+            <a:fillRect/>
+          </a:stretch>
+        </p:blipFill>
+        <p:spPr>
+          <a:xfrm>
+            <a:off x="5781730" y="1343608"/>
+            <a:ext cx="6325428" cy="3093119"/>
+          </a:xfrm>
+          <a:prstGeom prst="rect">
+            <a:avLst/>
+          </a:prstGeom>
+        </p:spPr>
+      </p:pic>
+    </p:spTree>
+    <p:extLst>
+      <p:ext uri="{BB962C8B-B14F-4D97-AF65-F5344CB8AC3E}">
+        <p14:creationId xmlns:p14="http://schemas.microsoft.com/office/powerpoint/2010/main" val="2591133394"/>
+      </p:ext>
+    </p:extLst>
+  </p:cSld>
+  <p:clrMapOvr>
+    <a:masterClrMapping/>
+  </p:clrMapOvr>
+</p:sld>
+</file>
+
+<file path=ppt/slides/slide16.xml><?xml version="1.0" encoding="utf-8"?>
+<p:sld xmlns:a="http://schemas.openxmlformats.org/drawingml/2006/main" xmlns:r="http://schemas.openxmlformats.org/officeDocument/2006/relationships" xmlns:p="http://schemas.openxmlformats.org/presentationml/2006/main">
+  <p:cSld>
+    <p:spTree>
+      <p:nvGrpSpPr>
+        <p:cNvPr id="1" name=""/>
+        <p:cNvGrpSpPr/>
+        <p:nvPr/>
+      </p:nvGrpSpPr>
+      <p:grpSpPr>
+        <a:xfrm>
+          <a:off x="0" y="0"/>
+          <a:ext cx="0" cy="0"/>
+          <a:chOff x="0" y="0"/>
+          <a:chExt cx="0" cy="0"/>
+        </a:xfrm>
+      </p:grpSpPr>
+      <p:sp>
+        <p:nvSpPr>
+          <p:cNvPr id="2" name="Title 1">
+            <a:extLst>
+              <a:ext uri="{FF2B5EF4-FFF2-40B4-BE49-F238E27FC236}">
                 <a16:creationId xmlns:a16="http://schemas.microsoft.com/office/drawing/2014/main" id="{DE191485-4BA9-4D5A-9A96-A13D3C8623FE}"/>
               </a:ext>
             </a:extLst>
@@ -5312,7 +5938,7 @@
           <a:p>
             <a:fld id="{019E29B9-5584-4737-9C98-1B926378C778}" type="datetime1">
               <a:rPr lang="en-US" smtClean="0"/>
-              <a:t>1/3/2022</a:t>
+              <a:t>1/4/2022</a:t>
             </a:fld>
             <a:endParaRPr lang="da-DK"/>
           </a:p>
@@ -5369,7 +5995,7 @@
           <a:p>
             <a:fld id="{F6FEDE24-D50C-481B-A7B4-8AF13899101A}" type="slidenum">
               <a:rPr lang="da-DK" smtClean="0"/>
-              <a:t>14</a:t>
+              <a:t>16</a:t>
             </a:fld>
             <a:endParaRPr lang="da-DK"/>
           </a:p>
@@ -5600,7 +6226,7 @@
           <a:p>
             <a:fld id="{019E29B9-5584-4737-9C98-1B926378C778}" type="datetime1">
               <a:rPr lang="en-US" smtClean="0"/>
-              <a:t>1/3/2022</a:t>
+              <a:t>1/4/2022</a:t>
             </a:fld>
             <a:endParaRPr lang="da-DK"/>
           </a:p>
@@ -5811,7 +6437,7 @@
           <a:p>
             <a:fld id="{019E29B9-5584-4737-9C98-1B926378C778}" type="datetime1">
               <a:rPr lang="en-US" smtClean="0"/>
-              <a:t>1/3/2022</a:t>
+              <a:t>1/4/2022</a:t>
             </a:fld>
             <a:endParaRPr lang="da-DK"/>
           </a:p>
@@ -6244,7 +6870,7 @@
           <a:p>
             <a:fld id="{019E29B9-5584-4737-9C98-1B926378C778}" type="datetime1">
               <a:rPr lang="en-US" smtClean="0"/>
-              <a:t>1/3/2022</a:t>
+              <a:t>1/4/2022</a:t>
             </a:fld>
             <a:endParaRPr lang="da-DK"/>
           </a:p>
@@ -6469,7 +7095,7 @@
           <a:p>
             <a:fld id="{019E29B9-5584-4737-9C98-1B926378C778}" type="datetime1">
               <a:rPr lang="en-US" smtClean="0"/>
-              <a:t>1/3/2022</a:t>
+              <a:t>1/4/2022</a:t>
             </a:fld>
             <a:endParaRPr lang="da-DK"/>
           </a:p>
@@ -6676,7 +7302,7 @@
           <a:p>
             <a:fld id="{019E29B9-5584-4737-9C98-1B926378C778}" type="datetime1">
               <a:rPr lang="en-US" smtClean="0"/>
-              <a:t>1/3/2022</a:t>
+              <a:t>1/4/2022</a:t>
             </a:fld>
             <a:endParaRPr lang="da-DK"/>
           </a:p>
@@ -6906,7 +7532,7 @@
           <a:p>
             <a:fld id="{019E29B9-5584-4737-9C98-1B926378C778}" type="datetime1">
               <a:rPr lang="en-US" smtClean="0"/>
-              <a:t>1/3/2022</a:t>
+              <a:t>1/4/2022</a:t>
             </a:fld>
             <a:endParaRPr lang="da-DK"/>
           </a:p>
@@ -7159,7 +7785,7 @@
           <a:p>
             <a:fld id="{019E29B9-5584-4737-9C98-1B926378C778}" type="datetime1">
               <a:rPr lang="en-US" smtClean="0"/>
-              <a:t>1/3/2022</a:t>
+              <a:t>1/4/2022</a:t>
             </a:fld>
             <a:endParaRPr lang="da-DK"/>
           </a:p>
@@ -7389,7 +8015,7 @@
           <a:p>
             <a:fld id="{019E29B9-5584-4737-9C98-1B926378C778}" type="datetime1">
               <a:rPr lang="en-US" smtClean="0"/>
-              <a:t>1/3/2022</a:t>
+              <a:t>1/4/2022</a:t>
             </a:fld>
             <a:endParaRPr lang="da-DK"/>
           </a:p>
